--- a/MySQL实战/20幻读是什么，幻读有什么问题？.pptx
+++ b/MySQL实战/20幻读是什么，幻读有什么问题？.pptx
@@ -205,7 +205,7 @@
           <a:p>
             <a:fld id="{A900F2CD-AD8F-46FC-AAAB-A0D218D6826F}" type="datetimeFigureOut">
               <a:rPr lang="zh-CN" altLang="en-US" smtClean="0"/>
-              <a:t>2019/5/22</a:t>
+              <a:t>2020/1/19</a:t>
             </a:fld>
             <a:endParaRPr lang="zh-CN" altLang="en-US"/>
           </a:p>
@@ -1331,7 +1331,7 @@
           <a:p>
             <a:fld id="{E396512D-F96B-4538-B91A-F7EB57A489A0}" type="datetimeFigureOut">
               <a:rPr lang="zh-CN" altLang="en-US" smtClean="0"/>
-              <a:t>2019/5/22</a:t>
+              <a:t>2020/1/19</a:t>
             </a:fld>
             <a:endParaRPr lang="zh-CN" altLang="en-US"/>
           </a:p>
@@ -1606,7 +1606,7 @@
           <a:p>
             <a:fld id="{E396512D-F96B-4538-B91A-F7EB57A489A0}" type="datetimeFigureOut">
               <a:rPr lang="zh-CN" altLang="en-US" smtClean="0"/>
-              <a:t>2019/5/22</a:t>
+              <a:t>2020/1/19</a:t>
             </a:fld>
             <a:endParaRPr lang="zh-CN" altLang="en-US"/>
           </a:p>
@@ -1800,7 +1800,7 @@
           <a:p>
             <a:fld id="{E396512D-F96B-4538-B91A-F7EB57A489A0}" type="datetimeFigureOut">
               <a:rPr lang="zh-CN" altLang="en-US" smtClean="0"/>
-              <a:t>2019/5/22</a:t>
+              <a:t>2020/1/19</a:t>
             </a:fld>
             <a:endParaRPr lang="zh-CN" altLang="en-US"/>
           </a:p>
@@ -2073,7 +2073,7 @@
           <a:p>
             <a:fld id="{E396512D-F96B-4538-B91A-F7EB57A489A0}" type="datetimeFigureOut">
               <a:rPr lang="zh-CN" altLang="en-US" smtClean="0"/>
-              <a:t>2019/5/22</a:t>
+              <a:t>2020/1/19</a:t>
             </a:fld>
             <a:endParaRPr lang="zh-CN" altLang="en-US"/>
           </a:p>
@@ -2414,7 +2414,7 @@
           <a:p>
             <a:fld id="{E396512D-F96B-4538-B91A-F7EB57A489A0}" type="datetimeFigureOut">
               <a:rPr lang="zh-CN" altLang="en-US" smtClean="0"/>
-              <a:t>2019/5/22</a:t>
+              <a:t>2020/1/19</a:t>
             </a:fld>
             <a:endParaRPr lang="zh-CN" altLang="en-US"/>
           </a:p>
@@ -3037,7 +3037,7 @@
           <a:p>
             <a:fld id="{E396512D-F96B-4538-B91A-F7EB57A489A0}" type="datetimeFigureOut">
               <a:rPr lang="zh-CN" altLang="en-US" smtClean="0"/>
-              <a:t>2019/5/22</a:t>
+              <a:t>2020/1/19</a:t>
             </a:fld>
             <a:endParaRPr lang="zh-CN" altLang="en-US"/>
           </a:p>
@@ -3897,7 +3897,7 @@
           <a:p>
             <a:fld id="{E396512D-F96B-4538-B91A-F7EB57A489A0}" type="datetimeFigureOut">
               <a:rPr lang="zh-CN" altLang="en-US" smtClean="0"/>
-              <a:t>2019/5/22</a:t>
+              <a:t>2020/1/19</a:t>
             </a:fld>
             <a:endParaRPr lang="zh-CN" altLang="en-US"/>
           </a:p>
@@ -4067,7 +4067,7 @@
           <a:p>
             <a:fld id="{E396512D-F96B-4538-B91A-F7EB57A489A0}" type="datetimeFigureOut">
               <a:rPr lang="zh-CN" altLang="en-US" smtClean="0"/>
-              <a:t>2019/5/22</a:t>
+              <a:t>2020/1/19</a:t>
             </a:fld>
             <a:endParaRPr lang="zh-CN" altLang="en-US"/>
           </a:p>
@@ -4247,7 +4247,7 @@
           <a:p>
             <a:fld id="{E396512D-F96B-4538-B91A-F7EB57A489A0}" type="datetimeFigureOut">
               <a:rPr lang="zh-CN" altLang="en-US" smtClean="0"/>
-              <a:t>2019/5/22</a:t>
+              <a:t>2020/1/19</a:t>
             </a:fld>
             <a:endParaRPr lang="zh-CN" altLang="en-US"/>
           </a:p>
@@ -4417,7 +4417,7 @@
           <a:p>
             <a:fld id="{E396512D-F96B-4538-B91A-F7EB57A489A0}" type="datetimeFigureOut">
               <a:rPr lang="zh-CN" altLang="en-US" smtClean="0"/>
-              <a:t>2019/5/22</a:t>
+              <a:t>2020/1/19</a:t>
             </a:fld>
             <a:endParaRPr lang="zh-CN" altLang="en-US"/>
           </a:p>
@@ -4664,7 +4664,7 @@
           <a:p>
             <a:fld id="{E396512D-F96B-4538-B91A-F7EB57A489A0}" type="datetimeFigureOut">
               <a:rPr lang="zh-CN" altLang="en-US" smtClean="0"/>
-              <a:t>2019/5/22</a:t>
+              <a:t>2020/1/19</a:t>
             </a:fld>
             <a:endParaRPr lang="zh-CN" altLang="en-US"/>
           </a:p>
@@ -4956,7 +4956,7 @@
           <a:p>
             <a:fld id="{E396512D-F96B-4538-B91A-F7EB57A489A0}" type="datetimeFigureOut">
               <a:rPr lang="zh-CN" altLang="en-US" smtClean="0"/>
-              <a:t>2019/5/22</a:t>
+              <a:t>2020/1/19</a:t>
             </a:fld>
             <a:endParaRPr lang="zh-CN" altLang="en-US"/>
           </a:p>
@@ -5400,7 +5400,7 @@
           <a:p>
             <a:fld id="{E396512D-F96B-4538-B91A-F7EB57A489A0}" type="datetimeFigureOut">
               <a:rPr lang="zh-CN" altLang="en-US" smtClean="0"/>
-              <a:t>2019/5/22</a:t>
+              <a:t>2020/1/19</a:t>
             </a:fld>
             <a:endParaRPr lang="zh-CN" altLang="en-US"/>
           </a:p>
@@ -5518,7 +5518,7 @@
           <a:p>
             <a:fld id="{E396512D-F96B-4538-B91A-F7EB57A489A0}" type="datetimeFigureOut">
               <a:rPr lang="zh-CN" altLang="en-US" smtClean="0"/>
-              <a:t>2019/5/22</a:t>
+              <a:t>2020/1/19</a:t>
             </a:fld>
             <a:endParaRPr lang="zh-CN" altLang="en-US"/>
           </a:p>
@@ -5613,7 +5613,7 @@
           <a:p>
             <a:fld id="{E396512D-F96B-4538-B91A-F7EB57A489A0}" type="datetimeFigureOut">
               <a:rPr lang="zh-CN" altLang="en-US" smtClean="0"/>
-              <a:t>2019/5/22</a:t>
+              <a:t>2020/1/19</a:t>
             </a:fld>
             <a:endParaRPr lang="zh-CN" altLang="en-US"/>
           </a:p>
@@ -5892,7 +5892,7 @@
           <a:p>
             <a:fld id="{E396512D-F96B-4538-B91A-F7EB57A489A0}" type="datetimeFigureOut">
               <a:rPr lang="zh-CN" altLang="en-US" smtClean="0"/>
-              <a:t>2019/5/22</a:t>
+              <a:t>2020/1/19</a:t>
             </a:fld>
             <a:endParaRPr lang="zh-CN" altLang="en-US"/>
           </a:p>
@@ -6167,7 +6167,7 @@
           <a:p>
             <a:fld id="{E396512D-F96B-4538-B91A-F7EB57A489A0}" type="datetimeFigureOut">
               <a:rPr lang="zh-CN" altLang="en-US" smtClean="0"/>
-              <a:t>2019/5/22</a:t>
+              <a:t>2020/1/19</a:t>
             </a:fld>
             <a:endParaRPr lang="zh-CN" altLang="en-US"/>
           </a:p>
@@ -6596,7 +6596,7 @@
           <a:p>
             <a:fld id="{E396512D-F96B-4538-B91A-F7EB57A489A0}" type="datetimeFigureOut">
               <a:rPr lang="zh-CN" altLang="en-US" smtClean="0"/>
-              <a:t>2019/5/22</a:t>
+              <a:t>2020/1/19</a:t>
             </a:fld>
             <a:endParaRPr lang="zh-CN" altLang="en-US"/>
           </a:p>
@@ -7158,10 +7158,6 @@
               </a:rPr>
               <a:t>幻读是什么，幻读有什么问题？</a:t>
             </a:r>
-            <a:endParaRPr lang="zh-CN" altLang="en-US" sz="3200" b="1" dirty="0">
-              <a:latin typeface="微软雅黑" panose="020B0503020204020204" pitchFamily="34" charset="-122"/>
-              <a:ea typeface="微软雅黑" panose="020B0503020204020204" pitchFamily="34" charset="-122"/>
-            </a:endParaRPr>
           </a:p>
         </p:txBody>
       </p:sp>
@@ -7360,10 +7356,6 @@
               </a:rPr>
               <a:t>(10,10,10),(15,15,15),(20,20,20),(25,25,25);</a:t>
             </a:r>
-            <a:endParaRPr lang="en-US" altLang="zh-CN" sz="1400" dirty="0">
-              <a:latin typeface="微软雅黑" panose="020B0503020204020204" pitchFamily="34" charset="-122"/>
-              <a:ea typeface="微软雅黑" panose="020B0503020204020204" pitchFamily="34" charset="-122"/>
-            </a:endParaRPr>
           </a:p>
         </p:txBody>
       </p:sp>
@@ -7438,10 +7430,6 @@
               </a:rPr>
               <a:t>幻读是什么，幻读有什么问题？</a:t>
             </a:r>
-            <a:endParaRPr lang="zh-CN" altLang="en-US" sz="3200" b="1" dirty="0">
-              <a:latin typeface="微软雅黑" panose="020B0503020204020204" pitchFamily="34" charset="-122"/>
-              <a:ea typeface="微软雅黑" panose="020B0503020204020204" pitchFamily="34" charset="-122"/>
-            </a:endParaRPr>
           </a:p>
         </p:txBody>
       </p:sp>
@@ -8122,13 +8110,6 @@
                         </a:rPr>
                         <a:t>result: (5,5,5)</a:t>
                       </a:r>
-                      <a:endParaRPr lang="en-US" altLang="zh-CN" sz="1400" baseline="0" dirty="0" smtClean="0">
-                        <a:solidFill>
-                          <a:srgbClr val="FF0000"/>
-                        </a:solidFill>
-                        <a:latin typeface="微软雅黑" panose="020B0503020204020204" pitchFamily="34" charset="-122"/>
-                        <a:ea typeface="微软雅黑" panose="020B0503020204020204" pitchFamily="34" charset="-122"/>
-                      </a:endParaRPr>
                     </a:p>
                   </a:txBody>
                   <a:tcPr/>
@@ -8813,10 +8794,6 @@
               </a:rPr>
               <a:t>幻读是什么，幻读有什么问题？</a:t>
             </a:r>
-            <a:endParaRPr lang="zh-CN" altLang="en-US" sz="3200" b="1" dirty="0">
-              <a:latin typeface="微软雅黑" panose="020B0503020204020204" pitchFamily="34" charset="-122"/>
-              <a:ea typeface="微软雅黑" panose="020B0503020204020204" pitchFamily="34" charset="-122"/>
-            </a:endParaRPr>
           </a:p>
         </p:txBody>
       </p:sp>
@@ -9010,13 +8987,6 @@
               </a:rPr>
               <a:t>但没锁住它们。</a:t>
             </a:r>
-            <a:endParaRPr lang="zh-CN" altLang="en-US" sz="1600" dirty="0" smtClean="0">
-              <a:solidFill>
-                <a:srgbClr val="92D050"/>
-              </a:solidFill>
-              <a:latin typeface="微软雅黑" panose="020B0503020204020204" pitchFamily="34" charset="-122"/>
-              <a:ea typeface="微软雅黑" panose="020B0503020204020204" pitchFamily="34" charset="-122"/>
-            </a:endParaRPr>
           </a:p>
         </p:txBody>
       </p:sp>
@@ -10237,10 +10207,6 @@
               </a:rPr>
               <a:t>幻读是什么，幻读有什么问题？</a:t>
             </a:r>
-            <a:endParaRPr lang="zh-CN" altLang="en-US" sz="3200" b="1" dirty="0">
-              <a:latin typeface="微软雅黑" panose="020B0503020204020204" pitchFamily="34" charset="-122"/>
-              <a:ea typeface="微软雅黑" panose="020B0503020204020204" pitchFamily="34" charset="-122"/>
-            </a:endParaRPr>
           </a:p>
         </p:txBody>
       </p:sp>
@@ -10334,13 +10300,6 @@
               </a:rPr>
               <a:t>数据的一致性，不仅仅是数据内部数据状态的一致性，还包括数据和日志在逻辑上的一致性。</a:t>
             </a:r>
-            <a:endParaRPr lang="zh-CN" altLang="en-US" sz="1600" dirty="0" smtClean="0">
-              <a:solidFill>
-                <a:srgbClr val="92D050"/>
-              </a:solidFill>
-              <a:latin typeface="微软雅黑" panose="020B0503020204020204" pitchFamily="34" charset="-122"/>
-              <a:ea typeface="微软雅黑" panose="020B0503020204020204" pitchFamily="34" charset="-122"/>
-            </a:endParaRPr>
           </a:p>
         </p:txBody>
       </p:sp>
@@ -11082,17 +11041,7 @@
                 <a:latin typeface="微软雅黑" panose="020B0503020204020204" pitchFamily="34" charset="-122"/>
                 <a:ea typeface="微软雅黑" panose="020B0503020204020204" pitchFamily="34" charset="-122"/>
               </a:rPr>
-              <a:t>5</a:t>
-            </a:r>
-            <a:r>
-              <a:rPr lang="en-US" altLang="zh-CN" sz="1400" dirty="0" smtClean="0">
-                <a:solidFill>
-                  <a:srgbClr val="FFFF00"/>
-                </a:solidFill>
-                <a:latin typeface="微软雅黑" panose="020B0503020204020204" pitchFamily="34" charset="-122"/>
-                <a:ea typeface="微软雅黑" panose="020B0503020204020204" pitchFamily="34" charset="-122"/>
-              </a:rPr>
-              <a:t>,5,100</a:t>
+              <a:t>5,5,100</a:t>
             </a:r>
             <a:endParaRPr lang="en-US" altLang="zh-CN" sz="1400" dirty="0">
               <a:solidFill>
@@ -11931,10 +11880,6 @@
               </a:rPr>
               <a:t>幻读是什么，幻读有什么问题？</a:t>
             </a:r>
-            <a:endParaRPr lang="zh-CN" altLang="en-US" sz="3200" b="1" dirty="0">
-              <a:latin typeface="微软雅黑" panose="020B0503020204020204" pitchFamily="34" charset="-122"/>
-              <a:ea typeface="微软雅黑" panose="020B0503020204020204" pitchFamily="34" charset="-122"/>
-            </a:endParaRPr>
           </a:p>
         </p:txBody>
       </p:sp>
@@ -12129,13 +12074,6 @@
               </a:rPr>
               <a:t>锁上所有的行：</a:t>
             </a:r>
-            <a:endParaRPr lang="zh-CN" altLang="en-US" sz="1600" dirty="0" smtClean="0">
-              <a:solidFill>
-                <a:srgbClr val="92D050"/>
-              </a:solidFill>
-              <a:latin typeface="微软雅黑" panose="020B0503020204020204" pitchFamily="34" charset="-122"/>
-              <a:ea typeface="微软雅黑" panose="020B0503020204020204" pitchFamily="34" charset="-122"/>
-            </a:endParaRPr>
           </a:p>
         </p:txBody>
       </p:sp>
@@ -12916,17 +12854,7 @@
                 <a:latin typeface="微软雅黑" panose="020B0503020204020204" pitchFamily="34" charset="-122"/>
                 <a:ea typeface="微软雅黑" panose="020B0503020204020204" pitchFamily="34" charset="-122"/>
               </a:rPr>
-              <a:t>5</a:t>
-            </a:r>
-            <a:r>
-              <a:rPr lang="en-US" altLang="zh-CN" sz="1400" dirty="0" smtClean="0">
-                <a:solidFill>
-                  <a:srgbClr val="FFFF00"/>
-                </a:solidFill>
-                <a:latin typeface="微软雅黑" panose="020B0503020204020204" pitchFamily="34" charset="-122"/>
-                <a:ea typeface="微软雅黑" panose="020B0503020204020204" pitchFamily="34" charset="-122"/>
-              </a:rPr>
-              <a:t>,5,100</a:t>
+              <a:t>5,5,100</a:t>
             </a:r>
             <a:endParaRPr lang="en-US" altLang="zh-CN" sz="1400" dirty="0">
               <a:solidFill>
@@ -13559,17 +13487,7 @@
                 <a:latin typeface="微软雅黑" panose="020B0503020204020204" pitchFamily="34" charset="-122"/>
                 <a:ea typeface="微软雅黑" panose="020B0503020204020204" pitchFamily="34" charset="-122"/>
               </a:rPr>
-              <a:t>上不一致</a:t>
-            </a:r>
-            <a:r>
-              <a:rPr lang="zh-CN" altLang="en-US" sz="1400" dirty="0" smtClean="0">
-                <a:solidFill>
-                  <a:srgbClr val="FFFF00"/>
-                </a:solidFill>
-                <a:latin typeface="微软雅黑" panose="020B0503020204020204" pitchFamily="34" charset="-122"/>
-                <a:ea typeface="微软雅黑" panose="020B0503020204020204" pitchFamily="34" charset="-122"/>
-              </a:rPr>
-              <a:t>：</a:t>
+              <a:t>上不一致：</a:t>
             </a:r>
             <a:endParaRPr lang="en-US" altLang="zh-CN" sz="1400" dirty="0" smtClean="0">
               <a:solidFill>
@@ -13714,10 +13632,6 @@
               </a:rPr>
               <a:t>幻读是什么，幻读有什么问题？</a:t>
             </a:r>
-            <a:endParaRPr lang="zh-CN" altLang="en-US" sz="3200" b="1" dirty="0">
-              <a:latin typeface="微软雅黑" panose="020B0503020204020204" pitchFamily="34" charset="-122"/>
-              <a:ea typeface="微软雅黑" panose="020B0503020204020204" pitchFamily="34" charset="-122"/>
-            </a:endParaRPr>
           </a:p>
         </p:txBody>
       </p:sp>
@@ -16994,10 +16908,6 @@
               </a:rPr>
               <a:t>幻读是什么，幻读有什么问题？</a:t>
             </a:r>
-            <a:endParaRPr lang="zh-CN" altLang="en-US" sz="3200" b="1" dirty="0">
-              <a:latin typeface="微软雅黑" panose="020B0503020204020204" pitchFamily="34" charset="-122"/>
-              <a:ea typeface="微软雅黑" panose="020B0503020204020204" pitchFamily="34" charset="-122"/>
-            </a:endParaRPr>
           </a:p>
         </p:txBody>
       </p:sp>
@@ -17082,6 +16992,16 @@
           <a:lstStyle/>
           <a:p>
             <a:r>
+              <a:rPr lang="zh-CN" altLang="en-US" sz="1600" smtClean="0">
+                <a:solidFill>
+                  <a:srgbClr val="92D050"/>
+                </a:solidFill>
+                <a:latin typeface="微软雅黑" panose="020B0503020204020204" pitchFamily="34" charset="-122"/>
+                <a:ea typeface="微软雅黑" panose="020B0503020204020204" pitchFamily="34" charset="-122"/>
+              </a:rPr>
+              <a:t>产生幻读的</a:t>
+            </a:r>
+            <a:r>
               <a:rPr lang="zh-CN" altLang="en-US" sz="1600" dirty="0" smtClean="0">
                 <a:solidFill>
                   <a:srgbClr val="92D050"/>
@@ -17089,7 +17009,7 @@
                 <a:latin typeface="微软雅黑" panose="020B0503020204020204" pitchFamily="34" charset="-122"/>
                 <a:ea typeface="微软雅黑" panose="020B0503020204020204" pitchFamily="34" charset="-122"/>
               </a:rPr>
-              <a:t>产生欢度的原因是，行锁只能锁住已存在的行，但无法锁住后面新插入的记录，是要在已存在的行之间的“间隙”产生的新行。</a:t>
+              <a:t>原因是，行锁只能锁住已存在的行，但无法锁住后面新插入的记录，是要在已存在的行之间的“间隙”产生的新行。</a:t>
             </a:r>
             <a:endParaRPr lang="en-US" altLang="zh-CN" sz="1600" dirty="0" smtClean="0">
               <a:solidFill>
@@ -18829,10 +18749,6 @@
               </a:rPr>
               <a:t>幻读是什么，幻读有什么问题？</a:t>
             </a:r>
-            <a:endParaRPr lang="zh-CN" altLang="en-US" sz="3200" b="1" dirty="0">
-              <a:latin typeface="微软雅黑" panose="020B0503020204020204" pitchFamily="34" charset="-122"/>
-              <a:ea typeface="微软雅黑" panose="020B0503020204020204" pitchFamily="34" charset="-122"/>
-            </a:endParaRPr>
           </a:p>
         </p:txBody>
       </p:sp>
@@ -22904,10 +22820,6 @@
               </a:rPr>
               <a:t>幻读是什么，幻读有什么问题？</a:t>
             </a:r>
-            <a:endParaRPr lang="zh-CN" altLang="en-US" sz="3200" b="1" dirty="0">
-              <a:latin typeface="微软雅黑" panose="020B0503020204020204" pitchFamily="34" charset="-122"/>
-              <a:ea typeface="微软雅黑" panose="020B0503020204020204" pitchFamily="34" charset="-122"/>
-            </a:endParaRPr>
           </a:p>
         </p:txBody>
       </p:sp>

--- a/MySQL实战/20幻读是什么，幻读有什么问题？.pptx
+++ b/MySQL实战/20幻读是什么，幻读有什么问题？.pptx
@@ -205,7 +205,7 @@
           <a:p>
             <a:fld id="{A900F2CD-AD8F-46FC-AAAB-A0D218D6826F}" type="datetimeFigureOut">
               <a:rPr lang="zh-CN" altLang="en-US" smtClean="0"/>
-              <a:t>2020/1/19</a:t>
+              <a:t>2020/2/18</a:t>
             </a:fld>
             <a:endParaRPr lang="zh-CN" altLang="en-US"/>
           </a:p>
@@ -1331,7 +1331,7 @@
           <a:p>
             <a:fld id="{E396512D-F96B-4538-B91A-F7EB57A489A0}" type="datetimeFigureOut">
               <a:rPr lang="zh-CN" altLang="en-US" smtClean="0"/>
-              <a:t>2020/1/19</a:t>
+              <a:t>2020/2/18</a:t>
             </a:fld>
             <a:endParaRPr lang="zh-CN" altLang="en-US"/>
           </a:p>
@@ -1606,7 +1606,7 @@
           <a:p>
             <a:fld id="{E396512D-F96B-4538-B91A-F7EB57A489A0}" type="datetimeFigureOut">
               <a:rPr lang="zh-CN" altLang="en-US" smtClean="0"/>
-              <a:t>2020/1/19</a:t>
+              <a:t>2020/2/18</a:t>
             </a:fld>
             <a:endParaRPr lang="zh-CN" altLang="en-US"/>
           </a:p>
@@ -1800,7 +1800,7 @@
           <a:p>
             <a:fld id="{E396512D-F96B-4538-B91A-F7EB57A489A0}" type="datetimeFigureOut">
               <a:rPr lang="zh-CN" altLang="en-US" smtClean="0"/>
-              <a:t>2020/1/19</a:t>
+              <a:t>2020/2/18</a:t>
             </a:fld>
             <a:endParaRPr lang="zh-CN" altLang="en-US"/>
           </a:p>
@@ -2073,7 +2073,7 @@
           <a:p>
             <a:fld id="{E396512D-F96B-4538-B91A-F7EB57A489A0}" type="datetimeFigureOut">
               <a:rPr lang="zh-CN" altLang="en-US" smtClean="0"/>
-              <a:t>2020/1/19</a:t>
+              <a:t>2020/2/18</a:t>
             </a:fld>
             <a:endParaRPr lang="zh-CN" altLang="en-US"/>
           </a:p>
@@ -2414,7 +2414,7 @@
           <a:p>
             <a:fld id="{E396512D-F96B-4538-B91A-F7EB57A489A0}" type="datetimeFigureOut">
               <a:rPr lang="zh-CN" altLang="en-US" smtClean="0"/>
-              <a:t>2020/1/19</a:t>
+              <a:t>2020/2/18</a:t>
             </a:fld>
             <a:endParaRPr lang="zh-CN" altLang="en-US"/>
           </a:p>
@@ -3037,7 +3037,7 @@
           <a:p>
             <a:fld id="{E396512D-F96B-4538-B91A-F7EB57A489A0}" type="datetimeFigureOut">
               <a:rPr lang="zh-CN" altLang="en-US" smtClean="0"/>
-              <a:t>2020/1/19</a:t>
+              <a:t>2020/2/18</a:t>
             </a:fld>
             <a:endParaRPr lang="zh-CN" altLang="en-US"/>
           </a:p>
@@ -3897,7 +3897,7 @@
           <a:p>
             <a:fld id="{E396512D-F96B-4538-B91A-F7EB57A489A0}" type="datetimeFigureOut">
               <a:rPr lang="zh-CN" altLang="en-US" smtClean="0"/>
-              <a:t>2020/1/19</a:t>
+              <a:t>2020/2/18</a:t>
             </a:fld>
             <a:endParaRPr lang="zh-CN" altLang="en-US"/>
           </a:p>
@@ -4067,7 +4067,7 @@
           <a:p>
             <a:fld id="{E396512D-F96B-4538-B91A-F7EB57A489A0}" type="datetimeFigureOut">
               <a:rPr lang="zh-CN" altLang="en-US" smtClean="0"/>
-              <a:t>2020/1/19</a:t>
+              <a:t>2020/2/18</a:t>
             </a:fld>
             <a:endParaRPr lang="zh-CN" altLang="en-US"/>
           </a:p>
@@ -4247,7 +4247,7 @@
           <a:p>
             <a:fld id="{E396512D-F96B-4538-B91A-F7EB57A489A0}" type="datetimeFigureOut">
               <a:rPr lang="zh-CN" altLang="en-US" smtClean="0"/>
-              <a:t>2020/1/19</a:t>
+              <a:t>2020/2/18</a:t>
             </a:fld>
             <a:endParaRPr lang="zh-CN" altLang="en-US"/>
           </a:p>
@@ -4417,7 +4417,7 @@
           <a:p>
             <a:fld id="{E396512D-F96B-4538-B91A-F7EB57A489A0}" type="datetimeFigureOut">
               <a:rPr lang="zh-CN" altLang="en-US" smtClean="0"/>
-              <a:t>2020/1/19</a:t>
+              <a:t>2020/2/18</a:t>
             </a:fld>
             <a:endParaRPr lang="zh-CN" altLang="en-US"/>
           </a:p>
@@ -4664,7 +4664,7 @@
           <a:p>
             <a:fld id="{E396512D-F96B-4538-B91A-F7EB57A489A0}" type="datetimeFigureOut">
               <a:rPr lang="zh-CN" altLang="en-US" smtClean="0"/>
-              <a:t>2020/1/19</a:t>
+              <a:t>2020/2/18</a:t>
             </a:fld>
             <a:endParaRPr lang="zh-CN" altLang="en-US"/>
           </a:p>
@@ -4956,7 +4956,7 @@
           <a:p>
             <a:fld id="{E396512D-F96B-4538-B91A-F7EB57A489A0}" type="datetimeFigureOut">
               <a:rPr lang="zh-CN" altLang="en-US" smtClean="0"/>
-              <a:t>2020/1/19</a:t>
+              <a:t>2020/2/18</a:t>
             </a:fld>
             <a:endParaRPr lang="zh-CN" altLang="en-US"/>
           </a:p>
@@ -5400,7 +5400,7 @@
           <a:p>
             <a:fld id="{E396512D-F96B-4538-B91A-F7EB57A489A0}" type="datetimeFigureOut">
               <a:rPr lang="zh-CN" altLang="en-US" smtClean="0"/>
-              <a:t>2020/1/19</a:t>
+              <a:t>2020/2/18</a:t>
             </a:fld>
             <a:endParaRPr lang="zh-CN" altLang="en-US"/>
           </a:p>
@@ -5518,7 +5518,7 @@
           <a:p>
             <a:fld id="{E396512D-F96B-4538-B91A-F7EB57A489A0}" type="datetimeFigureOut">
               <a:rPr lang="zh-CN" altLang="en-US" smtClean="0"/>
-              <a:t>2020/1/19</a:t>
+              <a:t>2020/2/18</a:t>
             </a:fld>
             <a:endParaRPr lang="zh-CN" altLang="en-US"/>
           </a:p>
@@ -5613,7 +5613,7 @@
           <a:p>
             <a:fld id="{E396512D-F96B-4538-B91A-F7EB57A489A0}" type="datetimeFigureOut">
               <a:rPr lang="zh-CN" altLang="en-US" smtClean="0"/>
-              <a:t>2020/1/19</a:t>
+              <a:t>2020/2/18</a:t>
             </a:fld>
             <a:endParaRPr lang="zh-CN" altLang="en-US"/>
           </a:p>
@@ -5892,7 +5892,7 @@
           <a:p>
             <a:fld id="{E396512D-F96B-4538-B91A-F7EB57A489A0}" type="datetimeFigureOut">
               <a:rPr lang="zh-CN" altLang="en-US" smtClean="0"/>
-              <a:t>2020/1/19</a:t>
+              <a:t>2020/2/18</a:t>
             </a:fld>
             <a:endParaRPr lang="zh-CN" altLang="en-US"/>
           </a:p>
@@ -6167,7 +6167,7 @@
           <a:p>
             <a:fld id="{E396512D-F96B-4538-B91A-F7EB57A489A0}" type="datetimeFigureOut">
               <a:rPr lang="zh-CN" altLang="en-US" smtClean="0"/>
-              <a:t>2020/1/19</a:t>
+              <a:t>2020/2/18</a:t>
             </a:fld>
             <a:endParaRPr lang="zh-CN" altLang="en-US"/>
           </a:p>
@@ -6596,7 +6596,7 @@
           <a:p>
             <a:fld id="{E396512D-F96B-4538-B91A-F7EB57A489A0}" type="datetimeFigureOut">
               <a:rPr lang="zh-CN" altLang="en-US" smtClean="0"/>
-              <a:t>2020/1/19</a:t>
+              <a:t>2020/2/18</a:t>
             </a:fld>
             <a:endParaRPr lang="zh-CN" altLang="en-US"/>
           </a:p>
@@ -13723,7 +13723,37 @@
                 <a:latin typeface="微软雅黑" panose="020B0503020204020204" pitchFamily="34" charset="-122"/>
                 <a:ea typeface="微软雅黑" panose="020B0503020204020204" pitchFamily="34" charset="-122"/>
               </a:rPr>
-              <a:t>产生欢度的原因是，行锁只能锁住已存在的行，但无法锁住后面新插入的记录，是要在已存在的行之间的“间隙”产生的新行。</a:t>
+              <a:t>产生</a:t>
+            </a:r>
+            <a:r>
+              <a:rPr lang="zh-CN" altLang="en-US" sz="1600" dirty="0">
+                <a:solidFill>
+                  <a:srgbClr val="92D050"/>
+                </a:solidFill>
+                <a:latin typeface="微软雅黑" panose="020B0503020204020204" pitchFamily="34" charset="-122"/>
+                <a:ea typeface="微软雅黑" panose="020B0503020204020204" pitchFamily="34" charset="-122"/>
+              </a:rPr>
+              <a:t>幻读</a:t>
+            </a:r>
+            <a:r>
+              <a:rPr lang="zh-CN" altLang="en-US" sz="1600" dirty="0" smtClean="0">
+                <a:solidFill>
+                  <a:srgbClr val="92D050"/>
+                </a:solidFill>
+                <a:latin typeface="微软雅黑" panose="020B0503020204020204" pitchFamily="34" charset="-122"/>
+                <a:ea typeface="微软雅黑" panose="020B0503020204020204" pitchFamily="34" charset="-122"/>
+              </a:rPr>
+              <a:t>的</a:t>
+            </a:r>
+            <a:r>
+              <a:rPr lang="zh-CN" altLang="en-US" sz="1600" dirty="0" smtClean="0">
+                <a:solidFill>
+                  <a:srgbClr val="92D050"/>
+                </a:solidFill>
+                <a:latin typeface="微软雅黑" panose="020B0503020204020204" pitchFamily="34" charset="-122"/>
+                <a:ea typeface="微软雅黑" panose="020B0503020204020204" pitchFamily="34" charset="-122"/>
+              </a:rPr>
+              <a:t>原因是，行锁只能锁住已存在的行，但无法锁住后面新插入的记录，是要在已存在的行之间的“间隙”产生的新行。</a:t>
             </a:r>
             <a:endParaRPr lang="en-US" altLang="zh-CN" sz="1600" dirty="0" smtClean="0">
               <a:solidFill>
